--- a/Web/DOM 시작하기.pptx
+++ b/Web/DOM 시작하기.pptx
@@ -254,7 +254,7 @@
           <a:p>
             <a:fld id="{0701E38F-D71B-4628-B377-F26FA834EB07}" type="datetimeFigureOut">
               <a:rPr lang="ko-KR" altLang="en-US" smtClean="0"/>
-              <a:t>2022-12-07</a:t>
+              <a:t>2024-09-24</a:t>
             </a:fld>
             <a:endParaRPr lang="ko-KR" altLang="en-US"/>
           </a:p>
@@ -420,7 +420,7 @@
             <a:fld id="{BC75A1C1-99F9-4ED1-B968-97F8F766565C}" type="datetimeFigureOut">
               <a:rPr lang="ko-KR" altLang="en-US" smtClean="0"/>
               <a:pPr/>
-              <a:t>2022-12-07</a:t>
+              <a:t>2024-09-24</a:t>
             </a:fld>
             <a:endParaRPr lang="ko-KR" altLang="en-US"/>
           </a:p>
@@ -2630,12 +2630,12 @@
               <a:t>, </a:t>
             </a:r>
             <a:r>
-              <a:rPr lang="en-US" altLang="ko-KR" sz="1400" dirty="0" err="1"/>
-              <a:t>tranform</a:t>
+              <a:rPr lang="en-US" altLang="ko-KR" sz="1400" dirty="0" smtClean="0"/>
+              <a:t>transform </a:t>
             </a:r>
             <a:r>
               <a:rPr lang="en-US" altLang="ko-KR" sz="1400" dirty="0"/>
-              <a:t> opacity will-change </a:t>
+              <a:t>opacity will-change </a:t>
             </a:r>
             <a:r>
               <a:rPr lang="ko-KR" altLang="en-US" sz="1400" dirty="0"/>
@@ -3470,10 +3470,10 @@
               <a:t>(</a:t>
             </a:r>
             <a:r>
-              <a:rPr lang="en-US" altLang="ko-KR" sz="1600" dirty="0" err="1" smtClean="0">
+              <a:rPr lang="en-US" altLang="ko-KR" sz="1600" dirty="0" smtClean="0">
                 <a:latin typeface="+mn-ea"/>
               </a:rPr>
-              <a:t>Parcing</a:t>
+              <a:t>Parsing</a:t>
             </a:r>
             <a:r>
               <a:rPr lang="en-US" altLang="ko-KR" sz="1600" dirty="0" smtClean="0">
@@ -3973,10 +3973,22 @@
               <a:t>웹 페이지를 스크립트 또는 프로그래밍 언어에서 사용될 수 있게 연결하는 </a:t>
             </a:r>
             <a:r>
-              <a:rPr lang="ko-KR" altLang="en-US" sz="1600" dirty="0" err="1" smtClean="0">
+              <a:rPr lang="ko-KR" altLang="en-US" sz="1600" dirty="0" smtClean="0">
                 <a:latin typeface="+mn-ea"/>
               </a:rPr>
-              <a:t>역할한다</a:t>
+              <a:t>역할을</a:t>
+            </a:r>
+            <a:r>
+              <a:rPr lang="en-US" altLang="ko-KR" sz="1600" dirty="0">
+                <a:latin typeface="+mn-ea"/>
+              </a:rPr>
+              <a:t> </a:t>
+            </a:r>
+            <a:r>
+              <a:rPr lang="ko-KR" altLang="en-US" sz="1600" dirty="0" smtClean="0">
+                <a:latin typeface="+mn-ea"/>
+              </a:rPr>
+              <a:t>한다</a:t>
             </a:r>
             <a:r>
               <a:rPr lang="en-US" altLang="ko-KR" sz="1600" dirty="0" smtClean="0">
